--- a/psea/en/lessons/conclusion.pptx
+++ b/psea/en/lessons/conclusion.pptx
@@ -259,7 +259,7 @@
           <a:p>
             <a:fld id="{CD4A716A-96FF-444E-85A3-889DB32D1FBA}" type="datetimeFigureOut">
               <a:rPr lang="ru-RU" smtClean="0"/>
-              <a:t>15.09.2024</a:t>
+              <a:t>19.09.2024</a:t>
             </a:fld>
             <a:endParaRPr lang="ru-RU"/>
           </a:p>
@@ -1009,7 +1009,7 @@
           <a:p>
             <a:fld id="{4507D0C9-DCEA-F448-A25E-CBBFA477327C}" type="datetimeFigureOut">
               <a:rPr lang="ru-RU" smtClean="0"/>
-              <a:t>15.09.2024</a:t>
+              <a:t>19.09.2024</a:t>
             </a:fld>
             <a:endParaRPr lang="ru-RU"/>
           </a:p>
@@ -1122,7 +1122,7 @@
           <a:p>
             <a:fld id="{4507D0C9-DCEA-F448-A25E-CBBFA477327C}" type="datetimeFigureOut">
               <a:rPr lang="ru-RU" smtClean="0"/>
-              <a:t>15.09.2024</a:t>
+              <a:t>19.09.2024</a:t>
             </a:fld>
             <a:endParaRPr lang="ru-RU"/>
           </a:p>
@@ -1370,7 +1370,7 @@
           <a:p>
             <a:fld id="{4507D0C9-DCEA-F448-A25E-CBBFA477327C}" type="datetimeFigureOut">
               <a:rPr lang="ru-RU" smtClean="0"/>
-              <a:t>15.09.2024</a:t>
+              <a:t>19.09.2024</a:t>
             </a:fld>
             <a:endParaRPr lang="ru-RU"/>
           </a:p>
@@ -1969,6 +1969,14 @@
   <p:clrMapOvr>
     <a:masterClrMapping/>
   </p:clrMapOvr>
+  <mc:AlternateContent xmlns:mc="http://schemas.openxmlformats.org/markup-compatibility/2006">
+    <mc:Choice xmlns:p14="http://schemas.microsoft.com/office/powerpoint/2010/main" Requires="p14">
+      <p:transition spd="slow" p14:dur="2000" advClick="0"/>
+    </mc:Choice>
+    <mc:Fallback>
+      <p:transition spd="slow" advClick="0"/>
+    </mc:Fallback>
+  </mc:AlternateContent>
   <p:timing>
     <p:tnLst>
       <p:par>
@@ -2135,7 +2143,7 @@
         </p:blipFill>
         <p:spPr>
           <a:xfrm>
-            <a:off x="8214347" y="-379537"/>
+            <a:off x="8199357" y="1044528"/>
             <a:ext cx="2986637" cy="9126298"/>
           </a:xfrm>
           <a:prstGeom prst="rect">
@@ -2156,6 +2164,14 @@
   <p:clrMapOvr>
     <a:masterClrMapping/>
   </p:clrMapOvr>
+  <mc:AlternateContent xmlns:mc="http://schemas.openxmlformats.org/markup-compatibility/2006">
+    <mc:Choice xmlns:p14="http://schemas.microsoft.com/office/powerpoint/2010/main" Requires="p14">
+      <p:transition spd="slow" p14:dur="2000" advClick="0"/>
+    </mc:Choice>
+    <mc:Fallback>
+      <p:transition spd="slow" advClick="0"/>
+    </mc:Fallback>
+  </mc:AlternateContent>
   <p:timing>
     <p:tnLst>
       <p:par>
@@ -2524,6 +2540,14 @@
   <p:clrMapOvr>
     <a:masterClrMapping/>
   </p:clrMapOvr>
+  <mc:AlternateContent xmlns:mc="http://schemas.openxmlformats.org/markup-compatibility/2006">
+    <mc:Choice xmlns:p14="http://schemas.microsoft.com/office/powerpoint/2010/main" Requires="p14">
+      <p:transition spd="slow" p14:dur="2000" advClick="0"/>
+    </mc:Choice>
+    <mc:Fallback>
+      <p:transition spd="slow" advClick="0"/>
+    </mc:Fallback>
+  </mc:AlternateContent>
   <p:timing>
     <p:tnLst>
       <p:par>
@@ -2711,6 +2735,14 @@
   <p:clrMapOvr>
     <a:masterClrMapping/>
   </p:clrMapOvr>
+  <mc:AlternateContent xmlns:mc="http://schemas.openxmlformats.org/markup-compatibility/2006">
+    <mc:Choice xmlns:p14="http://schemas.microsoft.com/office/powerpoint/2010/main" Requires="p14">
+      <p:transition spd="slow" p14:dur="2000" advClick="0"/>
+    </mc:Choice>
+    <mc:Fallback>
+      <p:transition spd="slow" advClick="0"/>
+    </mc:Fallback>
+  </mc:AlternateContent>
   <p:timing>
     <p:tnLst>
       <p:par>
